--- a/Resources/csci-4712-week11.pptx
+++ b/Resources/csci-4712-week11.pptx
@@ -9,19 +9,21 @@
     <p:sldMasterId id="2147483678" r:id="rId5"/>
   </p:sldMasterIdLst>
   <p:notesMasterIdLst>
-    <p:notesMasterId r:id="rId16"/>
+    <p:notesMasterId r:id="rId18"/>
   </p:notesMasterIdLst>
   <p:sldIdLst>
     <p:sldId id="262" r:id="rId6"/>
     <p:sldId id="263" r:id="rId7"/>
     <p:sldId id="313" r:id="rId8"/>
-    <p:sldId id="264" r:id="rId9"/>
-    <p:sldId id="315" r:id="rId10"/>
-    <p:sldId id="265" r:id="rId11"/>
-    <p:sldId id="314" r:id="rId12"/>
-    <p:sldId id="316" r:id="rId13"/>
-    <p:sldId id="317" r:id="rId14"/>
-    <p:sldId id="319" r:id="rId15"/>
+    <p:sldId id="320" r:id="rId9"/>
+    <p:sldId id="322" r:id="rId10"/>
+    <p:sldId id="264" r:id="rId11"/>
+    <p:sldId id="315" r:id="rId12"/>
+    <p:sldId id="265" r:id="rId13"/>
+    <p:sldId id="314" r:id="rId14"/>
+    <p:sldId id="316" r:id="rId15"/>
+    <p:sldId id="317" r:id="rId16"/>
+    <p:sldId id="319" r:id="rId17"/>
   </p:sldIdLst>
   <p:sldSz cx="12192000" cy="6858000"/>
   <p:notesSz cx="6881813" cy="9296400"/>
@@ -6565,6 +6567,157 @@
       </p:grpSpPr>
       <p:sp>
         <p:nvSpPr>
+          <p:cNvPr id="2" name="Title 1"/>
+          <p:cNvSpPr>
+            <a:spLocks noGrp="1"/>
+          </p:cNvSpPr>
+          <p:nvPr>
+            <p:ph type="title"/>
+          </p:nvPr>
+        </p:nvSpPr>
+        <p:spPr/>
+        <p:txBody>
+          <a:bodyPr/>
+          <a:lstStyle/>
+          <a:p>
+            <a:r>
+              <a:rPr lang="en-US" cap="none" dirty="0"/>
+              <a:t>ModifyDepartment</a:t>
+            </a:r>
+          </a:p>
+        </p:txBody>
+      </p:sp>
+      <p:sp>
+        <p:nvSpPr>
+          <p:cNvPr id="3" name="Text Placeholder 2"/>
+          <p:cNvSpPr>
+            <a:spLocks noGrp="1"/>
+          </p:cNvSpPr>
+          <p:nvPr>
+            <p:ph type="body" idx="1"/>
+          </p:nvPr>
+        </p:nvSpPr>
+        <p:spPr/>
+        <p:txBody>
+          <a:bodyPr/>
+          <a:lstStyle/>
+          <a:p>
+            <a:endParaRPr lang="en-US" dirty="0"/>
+          </a:p>
+        </p:txBody>
+      </p:sp>
+    </p:spTree>
+    <p:extLst>
+      <p:ext uri="{BB962C8B-B14F-4D97-AF65-F5344CB8AC3E}">
+        <p14:creationId xmlns:p14="http://schemas.microsoft.com/office/powerpoint/2010/main" val="3513565752"/>
+      </p:ext>
+    </p:extLst>
+  </p:cSld>
+  <p:clrMapOvr>
+    <a:masterClrMapping/>
+  </p:clrMapOvr>
+</p:sld>
+</file>
+
+<file path=ppt/slides/slide11.xml><?xml version="1.0" encoding="utf-8"?>
+<p:sld xmlns:a="http://schemas.openxmlformats.org/drawingml/2006/main" xmlns:r="http://schemas.openxmlformats.org/officeDocument/2006/relationships" xmlns:p="http://schemas.openxmlformats.org/presentationml/2006/main">
+  <p:cSld>
+    <p:spTree>
+      <p:nvGrpSpPr>
+        <p:cNvPr id="1" name=""/>
+        <p:cNvGrpSpPr/>
+        <p:nvPr/>
+      </p:nvGrpSpPr>
+      <p:grpSpPr>
+        <a:xfrm>
+          <a:off x="0" y="0"/>
+          <a:ext cx="0" cy="0"/>
+          <a:chOff x="0" y="0"/>
+          <a:chExt cx="0" cy="0"/>
+        </a:xfrm>
+      </p:grpSpPr>
+      <p:pic>
+        <p:nvPicPr>
+          <p:cNvPr id="2" name="Content Placeholder 1"/>
+          <p:cNvPicPr>
+            <a:picLocks noGrp="1" noChangeAspect="1"/>
+          </p:cNvPicPr>
+          <p:nvPr>
+            <p:ph idx="1"/>
+          </p:nvPr>
+        </p:nvPicPr>
+        <p:blipFill>
+          <a:blip r:embed="rId2"/>
+          <a:stretch>
+            <a:fillRect/>
+          </a:stretch>
+        </p:blipFill>
+        <p:spPr>
+          <a:xfrm>
+            <a:off x="2672080" y="1024304"/>
+            <a:ext cx="6024880" cy="5604540"/>
+          </a:xfrm>
+          <a:prstGeom prst="rect">
+            <a:avLst/>
+          </a:prstGeom>
+        </p:spPr>
+      </p:pic>
+      <p:sp>
+        <p:nvSpPr>
+          <p:cNvPr id="4" name="Title 1"/>
+          <p:cNvSpPr>
+            <a:spLocks noGrp="1"/>
+          </p:cNvSpPr>
+          <p:nvPr>
+            <p:ph type="title"/>
+          </p:nvPr>
+        </p:nvSpPr>
+        <p:spPr/>
+        <p:txBody>
+          <a:bodyPr>
+            <a:normAutofit/>
+          </a:bodyPr>
+          <a:lstStyle/>
+          <a:p>
+            <a:r>
+              <a:rPr lang="en-US" sz="2000" cap="none" dirty="0"/>
+              <a:t>ModifyDepartment</a:t>
+            </a:r>
+          </a:p>
+        </p:txBody>
+      </p:sp>
+    </p:spTree>
+    <p:extLst>
+      <p:ext uri="{BB962C8B-B14F-4D97-AF65-F5344CB8AC3E}">
+        <p14:creationId xmlns:p14="http://schemas.microsoft.com/office/powerpoint/2010/main" val="280429157"/>
+      </p:ext>
+    </p:extLst>
+  </p:cSld>
+  <p:clrMapOvr>
+    <a:masterClrMapping/>
+  </p:clrMapOvr>
+</p:sld>
+</file>
+
+<file path=ppt/slides/slide12.xml><?xml version="1.0" encoding="utf-8"?>
+<p:sld xmlns:a="http://schemas.openxmlformats.org/drawingml/2006/main" xmlns:r="http://schemas.openxmlformats.org/officeDocument/2006/relationships" xmlns:p="http://schemas.openxmlformats.org/presentationml/2006/main">
+  <p:cSld>
+    <p:spTree>
+      <p:nvGrpSpPr>
+        <p:cNvPr id="1" name=""/>
+        <p:cNvGrpSpPr/>
+        <p:nvPr/>
+      </p:nvGrpSpPr>
+      <p:grpSpPr>
+        <a:xfrm>
+          <a:off x="0" y="0"/>
+          <a:ext cx="0" cy="0"/>
+          <a:chOff x="0" y="0"/>
+          <a:chExt cx="0" cy="0"/>
+        </a:xfrm>
+      </p:grpSpPr>
+      <p:sp>
+        <p:nvSpPr>
           <p:cNvPr id="3" name="Content Placeholder 2"/>
           <p:cNvSpPr>
             <a:spLocks noGrp="1"/>
@@ -6918,15 +7071,45 @@
             <p:ph type="title"/>
           </p:nvPr>
         </p:nvSpPr>
-        <p:spPr/>
-        <p:txBody>
-          <a:bodyPr/>
-          <a:lstStyle/>
-          <a:p>
-            <a:r>
-              <a:rPr lang="en-US" cap="none" dirty="0"/>
-              <a:t>New and Updated Use Case Descriptions</a:t>
-            </a:r>
+        <p:spPr>
+          <a:xfrm>
+            <a:off x="374073" y="1736726"/>
+            <a:ext cx="11617036" cy="2852737"/>
+          </a:xfrm>
+        </p:spPr>
+        <p:txBody>
+          <a:bodyPr>
+            <a:normAutofit fontScale="90000"/>
+          </a:bodyPr>
+          <a:lstStyle/>
+          <a:p>
+            <a:r>
+              <a:rPr lang="en-US" sz="6700" cap="none" dirty="0" err="1"/>
+              <a:t>GoalManager</a:t>
+            </a:r>
+            <a:br>
+              <a:rPr lang="en-US" sz="6700" cap="none" dirty="0"/>
+            </a:br>
+            <a:r>
+              <a:rPr lang="en-US" sz="6700" cap="none" dirty="0">
+                <a:solidFill>
+                  <a:srgbClr val="C00000"/>
+                </a:solidFill>
+              </a:rPr>
+              <a:t>Database Schema</a:t>
+            </a:r>
+            <a:br>
+              <a:rPr lang="en-US" cap="none" dirty="0">
+                <a:solidFill>
+                  <a:srgbClr val="FF0000"/>
+                </a:solidFill>
+              </a:rPr>
+            </a:br>
+            <a:endParaRPr lang="en-US" cap="none" dirty="0">
+              <a:solidFill>
+                <a:srgbClr val="FF0000"/>
+              </a:solidFill>
+            </a:endParaRPr>
           </a:p>
         </p:txBody>
       </p:sp>
@@ -6952,7 +7135,7 @@
     </p:spTree>
     <p:extLst>
       <p:ext uri="{BB962C8B-B14F-4D97-AF65-F5344CB8AC3E}">
-        <p14:creationId xmlns:p14="http://schemas.microsoft.com/office/powerpoint/2010/main" val="1396461693"/>
+        <p14:creationId xmlns:p14="http://schemas.microsoft.com/office/powerpoint/2010/main" val="1376136980"/>
       </p:ext>
     </p:extLst>
   </p:cSld>
@@ -6989,41 +7172,86 @@
             <p:ph type="title"/>
           </p:nvPr>
         </p:nvSpPr>
+        <p:spPr>
+          <a:xfrm>
+            <a:off x="374073" y="1736726"/>
+            <a:ext cx="11617036" cy="2852737"/>
+          </a:xfrm>
+        </p:spPr>
+        <p:txBody>
+          <a:bodyPr>
+            <a:normAutofit/>
+          </a:bodyPr>
+          <a:lstStyle/>
+          <a:p>
+            <a:br>
+              <a:rPr lang="en-US" cap="none" dirty="0">
+                <a:solidFill>
+                  <a:srgbClr val="FF0000"/>
+                </a:solidFill>
+              </a:rPr>
+            </a:br>
+            <a:endParaRPr lang="en-US" cap="none" dirty="0">
+              <a:solidFill>
+                <a:srgbClr val="FF0000"/>
+              </a:solidFill>
+            </a:endParaRPr>
+          </a:p>
+        </p:txBody>
+      </p:sp>
+      <p:sp>
+        <p:nvSpPr>
+          <p:cNvPr id="3" name="Text Placeholder 2"/>
+          <p:cNvSpPr>
+            <a:spLocks noGrp="1"/>
+          </p:cNvSpPr>
+          <p:nvPr>
+            <p:ph type="body" idx="1"/>
+          </p:nvPr>
+        </p:nvSpPr>
         <p:spPr/>
         <p:txBody>
           <a:bodyPr/>
           <a:lstStyle/>
           <a:p>
-            <a:r>
-              <a:rPr lang="en-US" cap="none" dirty="0"/>
-              <a:t>CreateDepartment</a:t>
-            </a:r>
-          </a:p>
-        </p:txBody>
-      </p:sp>
-      <p:sp>
-        <p:nvSpPr>
-          <p:cNvPr id="3" name="Text Placeholder 2"/>
-          <p:cNvSpPr>
-            <a:spLocks noGrp="1"/>
-          </p:cNvSpPr>
-          <p:nvPr>
-            <p:ph type="body" idx="1"/>
-          </p:nvPr>
-        </p:nvSpPr>
-        <p:spPr/>
-        <p:txBody>
-          <a:bodyPr/>
-          <a:lstStyle/>
-          <a:p>
             <a:endParaRPr lang="en-US" dirty="0"/>
           </a:p>
         </p:txBody>
       </p:sp>
+      <p:pic>
+        <p:nvPicPr>
+          <p:cNvPr id="4" name="Picture 3"/>
+          <p:cNvPicPr>
+            <a:picLocks noChangeAspect="1"/>
+          </p:cNvPicPr>
+          <p:nvPr/>
+        </p:nvPicPr>
+        <p:blipFill>
+          <a:blip r:embed="rId2">
+            <a:extLst>
+              <a:ext uri="{28A0092B-C50C-407E-A947-70E740481C1C}">
+                <a14:useLocalDpi xmlns:a14="http://schemas.microsoft.com/office/drawing/2010/main" val="0"/>
+              </a:ext>
+            </a:extLst>
+          </a:blip>
+          <a:stretch>
+            <a:fillRect/>
+          </a:stretch>
+        </p:blipFill>
+        <p:spPr>
+          <a:xfrm>
+            <a:off x="2012950" y="0"/>
+            <a:ext cx="8122920" cy="6803462"/>
+          </a:xfrm>
+          <a:prstGeom prst="rect">
+            <a:avLst/>
+          </a:prstGeom>
+        </p:spPr>
+      </p:pic>
     </p:spTree>
     <p:extLst>
       <p:ext uri="{BB962C8B-B14F-4D97-AF65-F5344CB8AC3E}">
-        <p14:creationId xmlns:p14="http://schemas.microsoft.com/office/powerpoint/2010/main" val="2608454212"/>
+        <p14:creationId xmlns:p14="http://schemas.microsoft.com/office/powerpoint/2010/main" val="2108512950"/>
       </p:ext>
     </p:extLst>
   </p:cSld>
@@ -7052,7 +7280,7 @@
       </p:grpSpPr>
       <p:sp>
         <p:nvSpPr>
-          <p:cNvPr id="4" name="Title 1"/>
+          <p:cNvPr id="2" name="Title 1"/>
           <p:cNvSpPr>
             <a:spLocks noGrp="1"/>
           </p:cNvSpPr>
@@ -7062,48 +7290,39 @@
         </p:nvSpPr>
         <p:spPr/>
         <p:txBody>
-          <a:bodyPr>
-            <a:normAutofit/>
-          </a:bodyPr>
-          <a:lstStyle/>
-          <a:p>
-            <a:r>
-              <a:rPr lang="en-US" sz="2000" cap="none" dirty="0"/>
-              <a:t>CreateDepartment</a:t>
-            </a:r>
-          </a:p>
-        </p:txBody>
-      </p:sp>
-      <p:pic>
-        <p:nvPicPr>
-          <p:cNvPr id="10" name="Content Placeholder 9"/>
-          <p:cNvPicPr>
-            <a:picLocks noGrp="1" noChangeAspect="1"/>
-          </p:cNvPicPr>
-          <p:nvPr>
-            <p:ph idx="1"/>
-          </p:nvPr>
-        </p:nvPicPr>
-        <p:blipFill>
-          <a:blip r:embed="rId2"/>
-          <a:stretch>
-            <a:fillRect/>
-          </a:stretch>
-        </p:blipFill>
-        <p:spPr>
-          <a:xfrm>
-            <a:off x="2255446" y="1053148"/>
-            <a:ext cx="6400361" cy="5713412"/>
-          </a:xfrm>
-          <a:prstGeom prst="rect">
-            <a:avLst/>
-          </a:prstGeom>
-        </p:spPr>
-      </p:pic>
+          <a:bodyPr/>
+          <a:lstStyle/>
+          <a:p>
+            <a:r>
+              <a:rPr lang="en-US" cap="none" dirty="0"/>
+              <a:t>New and Updated Use Case Descriptions</a:t>
+            </a:r>
+          </a:p>
+        </p:txBody>
+      </p:sp>
+      <p:sp>
+        <p:nvSpPr>
+          <p:cNvPr id="3" name="Text Placeholder 2"/>
+          <p:cNvSpPr>
+            <a:spLocks noGrp="1"/>
+          </p:cNvSpPr>
+          <p:nvPr>
+            <p:ph type="body" idx="1"/>
+          </p:nvPr>
+        </p:nvSpPr>
+        <p:spPr/>
+        <p:txBody>
+          <a:bodyPr/>
+          <a:lstStyle/>
+          <a:p>
+            <a:endParaRPr lang="en-US" dirty="0"/>
+          </a:p>
+        </p:txBody>
+      </p:sp>
     </p:spTree>
     <p:extLst>
       <p:ext uri="{BB962C8B-B14F-4D97-AF65-F5344CB8AC3E}">
-        <p14:creationId xmlns:p14="http://schemas.microsoft.com/office/powerpoint/2010/main" val="1406626138"/>
+        <p14:creationId xmlns:p14="http://schemas.microsoft.com/office/powerpoint/2010/main" val="1396461693"/>
       </p:ext>
     </p:extLst>
   </p:cSld>
@@ -7130,35 +7349,9 @@
           <a:chExt cx="0" cy="0"/>
         </a:xfrm>
       </p:grpSpPr>
-      <p:pic>
-        <p:nvPicPr>
-          <p:cNvPr id="2" name="Content Placeholder 1"/>
-          <p:cNvPicPr>
-            <a:picLocks noGrp="1" noChangeAspect="1"/>
-          </p:cNvPicPr>
-          <p:nvPr>
-            <p:ph idx="1"/>
-          </p:nvPr>
-        </p:nvPicPr>
-        <p:blipFill>
-          <a:blip r:embed="rId2"/>
-          <a:stretch>
-            <a:fillRect/>
-          </a:stretch>
-        </p:blipFill>
-        <p:spPr>
-          <a:xfrm>
-            <a:off x="2428240" y="1042988"/>
-            <a:ext cx="6223197" cy="5616834"/>
-          </a:xfrm>
-          <a:prstGeom prst="rect">
-            <a:avLst/>
-          </a:prstGeom>
-        </p:spPr>
-      </p:pic>
-      <p:sp>
-        <p:nvSpPr>
-          <p:cNvPr id="4" name="Title 1"/>
+      <p:sp>
+        <p:nvSpPr>
+          <p:cNvPr id="2" name="Title 1"/>
           <p:cNvSpPr>
             <a:spLocks noGrp="1"/>
           </p:cNvSpPr>
@@ -7168,22 +7361,39 @@
         </p:nvSpPr>
         <p:spPr/>
         <p:txBody>
-          <a:bodyPr>
-            <a:normAutofit/>
-          </a:bodyPr>
-          <a:lstStyle/>
-          <a:p>
-            <a:r>
-              <a:rPr lang="en-US" sz="2000" cap="none" dirty="0"/>
-              <a:t>CreateDepartment (Failure)</a:t>
-            </a:r>
+          <a:bodyPr/>
+          <a:lstStyle/>
+          <a:p>
+            <a:r>
+              <a:rPr lang="en-US" cap="none" dirty="0"/>
+              <a:t>CreateDepartment</a:t>
+            </a:r>
+          </a:p>
+        </p:txBody>
+      </p:sp>
+      <p:sp>
+        <p:nvSpPr>
+          <p:cNvPr id="3" name="Text Placeholder 2"/>
+          <p:cNvSpPr>
+            <a:spLocks noGrp="1"/>
+          </p:cNvSpPr>
+          <p:nvPr>
+            <p:ph type="body" idx="1"/>
+          </p:nvPr>
+        </p:nvSpPr>
+        <p:spPr/>
+        <p:txBody>
+          <a:bodyPr/>
+          <a:lstStyle/>
+          <a:p>
+            <a:endParaRPr lang="en-US" dirty="0"/>
           </a:p>
         </p:txBody>
       </p:sp>
     </p:spTree>
     <p:extLst>
       <p:ext uri="{BB962C8B-B14F-4D97-AF65-F5344CB8AC3E}">
-        <p14:creationId xmlns:p14="http://schemas.microsoft.com/office/powerpoint/2010/main" val="3580051433"/>
+        <p14:creationId xmlns:p14="http://schemas.microsoft.com/office/powerpoint/2010/main" val="2608454212"/>
       </p:ext>
     </p:extLst>
   </p:cSld>
@@ -7212,7 +7422,7 @@
       </p:grpSpPr>
       <p:sp>
         <p:nvSpPr>
-          <p:cNvPr id="2" name="Title 1"/>
+          <p:cNvPr id="4" name="Title 1"/>
           <p:cNvSpPr>
             <a:spLocks noGrp="1"/>
           </p:cNvSpPr>
@@ -7222,39 +7432,48 @@
         </p:nvSpPr>
         <p:spPr/>
         <p:txBody>
-          <a:bodyPr/>
-          <a:lstStyle/>
-          <a:p>
-            <a:r>
-              <a:rPr lang="en-US" cap="none" dirty="0"/>
-              <a:t>ModifyDepartment</a:t>
-            </a:r>
-          </a:p>
-        </p:txBody>
-      </p:sp>
-      <p:sp>
-        <p:nvSpPr>
-          <p:cNvPr id="3" name="Text Placeholder 2"/>
-          <p:cNvSpPr>
-            <a:spLocks noGrp="1"/>
-          </p:cNvSpPr>
-          <p:nvPr>
-            <p:ph type="body" idx="1"/>
-          </p:nvPr>
-        </p:nvSpPr>
-        <p:spPr/>
-        <p:txBody>
-          <a:bodyPr/>
-          <a:lstStyle/>
-          <a:p>
-            <a:endParaRPr lang="en-US" dirty="0"/>
-          </a:p>
-        </p:txBody>
-      </p:sp>
+          <a:bodyPr>
+            <a:normAutofit/>
+          </a:bodyPr>
+          <a:lstStyle/>
+          <a:p>
+            <a:r>
+              <a:rPr lang="en-US" sz="2000" cap="none" dirty="0"/>
+              <a:t>CreateDepartment</a:t>
+            </a:r>
+          </a:p>
+        </p:txBody>
+      </p:sp>
+      <p:pic>
+        <p:nvPicPr>
+          <p:cNvPr id="10" name="Content Placeholder 9"/>
+          <p:cNvPicPr>
+            <a:picLocks noGrp="1" noChangeAspect="1"/>
+          </p:cNvPicPr>
+          <p:nvPr>
+            <p:ph idx="1"/>
+          </p:nvPr>
+        </p:nvPicPr>
+        <p:blipFill>
+          <a:blip r:embed="rId2"/>
+          <a:stretch>
+            <a:fillRect/>
+          </a:stretch>
+        </p:blipFill>
+        <p:spPr>
+          <a:xfrm>
+            <a:off x="2255446" y="1053148"/>
+            <a:ext cx="6400361" cy="5713412"/>
+          </a:xfrm>
+          <a:prstGeom prst="rect">
+            <a:avLst/>
+          </a:prstGeom>
+        </p:spPr>
+      </p:pic>
     </p:spTree>
     <p:extLst>
       <p:ext uri="{BB962C8B-B14F-4D97-AF65-F5344CB8AC3E}">
-        <p14:creationId xmlns:p14="http://schemas.microsoft.com/office/powerpoint/2010/main" val="3513565752"/>
+        <p14:creationId xmlns:p14="http://schemas.microsoft.com/office/powerpoint/2010/main" val="1406626138"/>
       </p:ext>
     </p:extLst>
   </p:cSld>
@@ -7299,8 +7518,8 @@
         </p:blipFill>
         <p:spPr>
           <a:xfrm>
-            <a:off x="2672080" y="1024304"/>
-            <a:ext cx="6024880" cy="5604540"/>
+            <a:off x="2428240" y="1042988"/>
+            <a:ext cx="6223197" cy="5616834"/>
           </a:xfrm>
           <a:prstGeom prst="rect">
             <a:avLst/>
@@ -7326,7 +7545,7 @@
           <a:p>
             <a:r>
               <a:rPr lang="en-US" sz="2000" cap="none" dirty="0"/>
-              <a:t>ModifyDepartment</a:t>
+              <a:t>CreateDepartment (Failure)</a:t>
             </a:r>
           </a:p>
         </p:txBody>
@@ -7334,7 +7553,7 @@
     </p:spTree>
     <p:extLst>
       <p:ext uri="{BB962C8B-B14F-4D97-AF65-F5344CB8AC3E}">
-        <p14:creationId xmlns:p14="http://schemas.microsoft.com/office/powerpoint/2010/main" val="280429157"/>
+        <p14:creationId xmlns:p14="http://schemas.microsoft.com/office/powerpoint/2010/main" val="3580051433"/>
       </p:ext>
     </p:extLst>
   </p:cSld>

--- a/Resources/csci-4712-week11.pptx
+++ b/Resources/csci-4712-week11.pptx
@@ -9,7 +9,7 @@
     <p:sldMasterId id="2147483678" r:id="rId5"/>
   </p:sldMasterIdLst>
   <p:notesMasterIdLst>
-    <p:notesMasterId r:id="rId18"/>
+    <p:notesMasterId r:id="rId13"/>
   </p:notesMasterIdLst>
   <p:sldIdLst>
     <p:sldId id="262" r:id="rId6"/>
@@ -17,13 +17,8 @@
     <p:sldId id="313" r:id="rId8"/>
     <p:sldId id="320" r:id="rId9"/>
     <p:sldId id="322" r:id="rId10"/>
-    <p:sldId id="264" r:id="rId11"/>
-    <p:sldId id="315" r:id="rId12"/>
-    <p:sldId id="265" r:id="rId13"/>
-    <p:sldId id="314" r:id="rId14"/>
-    <p:sldId id="316" r:id="rId15"/>
-    <p:sldId id="317" r:id="rId16"/>
-    <p:sldId id="319" r:id="rId17"/>
+    <p:sldId id="324" r:id="rId11"/>
+    <p:sldId id="325" r:id="rId12"/>
   </p:sldIdLst>
   <p:sldSz cx="12192000" cy="6858000"/>
   <p:notesSz cx="6881813" cy="9296400"/>
@@ -212,7 +207,7 @@
           <a:p>
             <a:fld id="{579ADD8C-C34C-4E7D-B105-F852DC1529D5}" type="datetimeFigureOut">
               <a:rPr lang="en-US" smtClean="0"/>
-              <a:t>3/22/2017</a:t>
+              <a:t>3/29/2017</a:t>
             </a:fld>
             <a:endParaRPr lang="en-US"/>
           </a:p>
@@ -836,7 +831,7 @@
           <a:p>
             <a:fld id="{966DB059-85A2-44BB-8624-18CEA9486879}" type="datetimeFigureOut">
               <a:rPr lang="en-US" smtClean="0"/>
-              <a:t>3/22/2017</a:t>
+              <a:t>3/29/2017</a:t>
             </a:fld>
             <a:endParaRPr lang="en-US"/>
           </a:p>
@@ -6548,265 +6543,6 @@
 </p:sld>
 </file>
 
-<file path=ppt/slides/slide10.xml><?xml version="1.0" encoding="utf-8"?>
-<p:sld xmlns:a="http://schemas.openxmlformats.org/drawingml/2006/main" xmlns:r="http://schemas.openxmlformats.org/officeDocument/2006/relationships" xmlns:p="http://schemas.openxmlformats.org/presentationml/2006/main">
-  <p:cSld>
-    <p:spTree>
-      <p:nvGrpSpPr>
-        <p:cNvPr id="1" name=""/>
-        <p:cNvGrpSpPr/>
-        <p:nvPr/>
-      </p:nvGrpSpPr>
-      <p:grpSpPr>
-        <a:xfrm>
-          <a:off x="0" y="0"/>
-          <a:ext cx="0" cy="0"/>
-          <a:chOff x="0" y="0"/>
-          <a:chExt cx="0" cy="0"/>
-        </a:xfrm>
-      </p:grpSpPr>
-      <p:sp>
-        <p:nvSpPr>
-          <p:cNvPr id="2" name="Title 1"/>
-          <p:cNvSpPr>
-            <a:spLocks noGrp="1"/>
-          </p:cNvSpPr>
-          <p:nvPr>
-            <p:ph type="title"/>
-          </p:nvPr>
-        </p:nvSpPr>
-        <p:spPr/>
-        <p:txBody>
-          <a:bodyPr/>
-          <a:lstStyle/>
-          <a:p>
-            <a:r>
-              <a:rPr lang="en-US" cap="none" dirty="0"/>
-              <a:t>ModifyDepartment</a:t>
-            </a:r>
-          </a:p>
-        </p:txBody>
-      </p:sp>
-      <p:sp>
-        <p:nvSpPr>
-          <p:cNvPr id="3" name="Text Placeholder 2"/>
-          <p:cNvSpPr>
-            <a:spLocks noGrp="1"/>
-          </p:cNvSpPr>
-          <p:nvPr>
-            <p:ph type="body" idx="1"/>
-          </p:nvPr>
-        </p:nvSpPr>
-        <p:spPr/>
-        <p:txBody>
-          <a:bodyPr/>
-          <a:lstStyle/>
-          <a:p>
-            <a:endParaRPr lang="en-US" dirty="0"/>
-          </a:p>
-        </p:txBody>
-      </p:sp>
-    </p:spTree>
-    <p:extLst>
-      <p:ext uri="{BB962C8B-B14F-4D97-AF65-F5344CB8AC3E}">
-        <p14:creationId xmlns:p14="http://schemas.microsoft.com/office/powerpoint/2010/main" val="3513565752"/>
-      </p:ext>
-    </p:extLst>
-  </p:cSld>
-  <p:clrMapOvr>
-    <a:masterClrMapping/>
-  </p:clrMapOvr>
-</p:sld>
-</file>
-
-<file path=ppt/slides/slide11.xml><?xml version="1.0" encoding="utf-8"?>
-<p:sld xmlns:a="http://schemas.openxmlformats.org/drawingml/2006/main" xmlns:r="http://schemas.openxmlformats.org/officeDocument/2006/relationships" xmlns:p="http://schemas.openxmlformats.org/presentationml/2006/main">
-  <p:cSld>
-    <p:spTree>
-      <p:nvGrpSpPr>
-        <p:cNvPr id="1" name=""/>
-        <p:cNvGrpSpPr/>
-        <p:nvPr/>
-      </p:nvGrpSpPr>
-      <p:grpSpPr>
-        <a:xfrm>
-          <a:off x="0" y="0"/>
-          <a:ext cx="0" cy="0"/>
-          <a:chOff x="0" y="0"/>
-          <a:chExt cx="0" cy="0"/>
-        </a:xfrm>
-      </p:grpSpPr>
-      <p:pic>
-        <p:nvPicPr>
-          <p:cNvPr id="2" name="Content Placeholder 1"/>
-          <p:cNvPicPr>
-            <a:picLocks noGrp="1" noChangeAspect="1"/>
-          </p:cNvPicPr>
-          <p:nvPr>
-            <p:ph idx="1"/>
-          </p:nvPr>
-        </p:nvPicPr>
-        <p:blipFill>
-          <a:blip r:embed="rId2"/>
-          <a:stretch>
-            <a:fillRect/>
-          </a:stretch>
-        </p:blipFill>
-        <p:spPr>
-          <a:xfrm>
-            <a:off x="2672080" y="1024304"/>
-            <a:ext cx="6024880" cy="5604540"/>
-          </a:xfrm>
-          <a:prstGeom prst="rect">
-            <a:avLst/>
-          </a:prstGeom>
-        </p:spPr>
-      </p:pic>
-      <p:sp>
-        <p:nvSpPr>
-          <p:cNvPr id="4" name="Title 1"/>
-          <p:cNvSpPr>
-            <a:spLocks noGrp="1"/>
-          </p:cNvSpPr>
-          <p:nvPr>
-            <p:ph type="title"/>
-          </p:nvPr>
-        </p:nvSpPr>
-        <p:spPr/>
-        <p:txBody>
-          <a:bodyPr>
-            <a:normAutofit/>
-          </a:bodyPr>
-          <a:lstStyle/>
-          <a:p>
-            <a:r>
-              <a:rPr lang="en-US" sz="2000" cap="none" dirty="0"/>
-              <a:t>ModifyDepartment</a:t>
-            </a:r>
-          </a:p>
-        </p:txBody>
-      </p:sp>
-    </p:spTree>
-    <p:extLst>
-      <p:ext uri="{BB962C8B-B14F-4D97-AF65-F5344CB8AC3E}">
-        <p14:creationId xmlns:p14="http://schemas.microsoft.com/office/powerpoint/2010/main" val="280429157"/>
-      </p:ext>
-    </p:extLst>
-  </p:cSld>
-  <p:clrMapOvr>
-    <a:masterClrMapping/>
-  </p:clrMapOvr>
-</p:sld>
-</file>
-
-<file path=ppt/slides/slide12.xml><?xml version="1.0" encoding="utf-8"?>
-<p:sld xmlns:a="http://schemas.openxmlformats.org/drawingml/2006/main" xmlns:r="http://schemas.openxmlformats.org/officeDocument/2006/relationships" xmlns:p="http://schemas.openxmlformats.org/presentationml/2006/main">
-  <p:cSld>
-    <p:spTree>
-      <p:nvGrpSpPr>
-        <p:cNvPr id="1" name=""/>
-        <p:cNvGrpSpPr/>
-        <p:nvPr/>
-      </p:nvGrpSpPr>
-      <p:grpSpPr>
-        <a:xfrm>
-          <a:off x="0" y="0"/>
-          <a:ext cx="0" cy="0"/>
-          <a:chOff x="0" y="0"/>
-          <a:chExt cx="0" cy="0"/>
-        </a:xfrm>
-      </p:grpSpPr>
-      <p:sp>
-        <p:nvSpPr>
-          <p:cNvPr id="3" name="Content Placeholder 2"/>
-          <p:cNvSpPr>
-            <a:spLocks noGrp="1"/>
-          </p:cNvSpPr>
-          <p:nvPr>
-            <p:ph idx="1"/>
-          </p:nvPr>
-        </p:nvSpPr>
-        <p:spPr/>
-        <p:txBody>
-          <a:bodyPr>
-            <a:normAutofit/>
-          </a:bodyPr>
-          <a:lstStyle/>
-          <a:p>
-            <a:endParaRPr lang="en-US" u="sng" dirty="0"/>
-          </a:p>
-          <a:p>
-            <a:endParaRPr lang="en-US" b="1" dirty="0"/>
-          </a:p>
-          <a:p>
-            <a:pPr marL="0" indent="0">
-              <a:buNone/>
-            </a:pPr>
-            <a:endParaRPr lang="en-US" b="1" dirty="0"/>
-          </a:p>
-        </p:txBody>
-      </p:sp>
-      <p:sp>
-        <p:nvSpPr>
-          <p:cNvPr id="4" name="Title 1"/>
-          <p:cNvSpPr>
-            <a:spLocks noGrp="1"/>
-          </p:cNvSpPr>
-          <p:nvPr>
-            <p:ph type="title"/>
-          </p:nvPr>
-        </p:nvSpPr>
-        <p:spPr/>
-        <p:txBody>
-          <a:bodyPr>
-            <a:normAutofit/>
-          </a:bodyPr>
-          <a:lstStyle/>
-          <a:p>
-            <a:r>
-              <a:rPr lang="en-US" sz="2000" cap="none" dirty="0"/>
-              <a:t>ModifyDepartment (Failure)</a:t>
-            </a:r>
-          </a:p>
-        </p:txBody>
-      </p:sp>
-      <p:pic>
-        <p:nvPicPr>
-          <p:cNvPr id="2" name="Picture 1"/>
-          <p:cNvPicPr>
-            <a:picLocks noChangeAspect="1"/>
-          </p:cNvPicPr>
-          <p:nvPr/>
-        </p:nvPicPr>
-        <p:blipFill>
-          <a:blip r:embed="rId2"/>
-          <a:stretch>
-            <a:fillRect/>
-          </a:stretch>
-        </p:blipFill>
-        <p:spPr>
-          <a:xfrm>
-            <a:off x="2519680" y="1055495"/>
-            <a:ext cx="6423342" cy="5671059"/>
-          </a:xfrm>
-          <a:prstGeom prst="rect">
-            <a:avLst/>
-          </a:prstGeom>
-        </p:spPr>
-      </p:pic>
-    </p:spTree>
-    <p:extLst>
-      <p:ext uri="{BB962C8B-B14F-4D97-AF65-F5344CB8AC3E}">
-        <p14:creationId xmlns:p14="http://schemas.microsoft.com/office/powerpoint/2010/main" val="2979988233"/>
-      </p:ext>
-    </p:extLst>
-  </p:cSld>
-  <p:clrMapOvr>
-    <a:masterClrMapping/>
-  </p:clrMapOvr>
-</p:sld>
-</file>
-
 <file path=ppt/slides/slide2.xml><?xml version="1.0" encoding="utf-8"?>
 <p:sld xmlns:a="http://schemas.openxmlformats.org/drawingml/2006/main" xmlns:r="http://schemas.openxmlformats.org/officeDocument/2006/relationships" xmlns:p="http://schemas.openxmlformats.org/presentationml/2006/main">
   <p:cSld>
@@ -7295,7 +7031,7 @@
           <a:p>
             <a:r>
               <a:rPr lang="en-US" cap="none" dirty="0"/>
-              <a:t>New and Updated Use Case Descriptions</a:t>
+              <a:t>Use Cases</a:t>
             </a:r>
           </a:p>
         </p:txBody>
@@ -7322,7 +7058,7 @@
     </p:spTree>
     <p:extLst>
       <p:ext uri="{BB962C8B-B14F-4D97-AF65-F5344CB8AC3E}">
-        <p14:creationId xmlns:p14="http://schemas.microsoft.com/office/powerpoint/2010/main" val="1396461693"/>
+        <p14:creationId xmlns:p14="http://schemas.microsoft.com/office/powerpoint/2010/main" val="2706352651"/>
       </p:ext>
     </p:extLst>
   </p:cSld>
@@ -7351,28 +7087,6 @@
       </p:grpSpPr>
       <p:sp>
         <p:nvSpPr>
-          <p:cNvPr id="2" name="Title 1"/>
-          <p:cNvSpPr>
-            <a:spLocks noGrp="1"/>
-          </p:cNvSpPr>
-          <p:nvPr>
-            <p:ph type="title"/>
-          </p:nvPr>
-        </p:nvSpPr>
-        <p:spPr/>
-        <p:txBody>
-          <a:bodyPr/>
-          <a:lstStyle/>
-          <a:p>
-            <a:r>
-              <a:rPr lang="en-US" cap="none" dirty="0"/>
-              <a:t>CreateDepartment</a:t>
-            </a:r>
-          </a:p>
-        </p:txBody>
-      </p:sp>
-      <p:sp>
-        <p:nvSpPr>
           <p:cNvPr id="3" name="Text Placeholder 2"/>
           <p:cNvSpPr>
             <a:spLocks noGrp="1"/>
@@ -7381,179 +7095,263 @@
             <p:ph type="body" idx="1"/>
           </p:nvPr>
         </p:nvSpPr>
-        <p:spPr/>
-        <p:txBody>
-          <a:bodyPr/>
-          <a:lstStyle/>
-          <a:p>
-            <a:endParaRPr lang="en-US" dirty="0"/>
-          </a:p>
-        </p:txBody>
-      </p:sp>
-    </p:spTree>
-    <p:extLst>
-      <p:ext uri="{BB962C8B-B14F-4D97-AF65-F5344CB8AC3E}">
-        <p14:creationId xmlns:p14="http://schemas.microsoft.com/office/powerpoint/2010/main" val="2608454212"/>
-      </p:ext>
-    </p:extLst>
-  </p:cSld>
-  <p:clrMapOvr>
-    <a:masterClrMapping/>
-  </p:clrMapOvr>
-</p:sld>
-</file>
-
-<file path=ppt/slides/slide8.xml><?xml version="1.0" encoding="utf-8"?>
-<p:sld xmlns:a="http://schemas.openxmlformats.org/drawingml/2006/main" xmlns:r="http://schemas.openxmlformats.org/officeDocument/2006/relationships" xmlns:p="http://schemas.openxmlformats.org/presentationml/2006/main">
-  <p:cSld>
-    <p:spTree>
-      <p:nvGrpSpPr>
-        <p:cNvPr id="1" name=""/>
-        <p:cNvGrpSpPr/>
-        <p:nvPr/>
-      </p:nvGrpSpPr>
-      <p:grpSpPr>
-        <a:xfrm>
-          <a:off x="0" y="0"/>
-          <a:ext cx="0" cy="0"/>
-          <a:chOff x="0" y="0"/>
-          <a:chExt cx="0" cy="0"/>
-        </a:xfrm>
-      </p:grpSpPr>
-      <p:sp>
-        <p:nvSpPr>
-          <p:cNvPr id="4" name="Title 1"/>
-          <p:cNvSpPr>
-            <a:spLocks noGrp="1"/>
-          </p:cNvSpPr>
-          <p:nvPr>
-            <p:ph type="title"/>
-          </p:nvPr>
-        </p:nvSpPr>
-        <p:spPr/>
+        <p:spPr>
+          <a:xfrm>
+            <a:off x="557530" y="1206183"/>
+            <a:ext cx="10515600" cy="1500187"/>
+          </a:xfrm>
+        </p:spPr>
         <p:txBody>
           <a:bodyPr>
-            <a:normAutofit/>
+            <a:normAutofit fontScale="85000" lnSpcReduction="20000"/>
           </a:bodyPr>
           <a:lstStyle/>
           <a:p>
-            <a:r>
-              <a:rPr lang="en-US" sz="2000" cap="none" dirty="0"/>
-              <a:t>CreateDepartment</a:t>
-            </a:r>
-          </a:p>
-        </p:txBody>
-      </p:sp>
-      <p:pic>
-        <p:nvPicPr>
-          <p:cNvPr id="10" name="Content Placeholder 9"/>
-          <p:cNvPicPr>
-            <a:picLocks noGrp="1" noChangeAspect="1"/>
-          </p:cNvPicPr>
-          <p:nvPr>
-            <p:ph idx="1"/>
-          </p:nvPr>
-        </p:nvPicPr>
-        <p:blipFill>
-          <a:blip r:embed="rId2"/>
-          <a:stretch>
-            <a:fillRect/>
-          </a:stretch>
-        </p:blipFill>
+            <a:pPr marL="342900" indent="-342900">
+              <a:buFontTx/>
+              <a:buChar char="-"/>
+            </a:pPr>
+            <a:r>
+              <a:rPr lang="en-US" dirty="0"/>
+              <a:t>Implemented:</a:t>
+            </a:r>
+          </a:p>
+          <a:p>
+            <a:pPr marL="800100" lvl="1" indent="-342900">
+              <a:buFontTx/>
+              <a:buChar char="-"/>
+            </a:pPr>
+            <a:r>
+              <a:rPr lang="en-US" dirty="0"/>
+              <a:t>Supervisor’s managed Department(s)</a:t>
+            </a:r>
+          </a:p>
+          <a:p>
+            <a:pPr marL="800100" lvl="1" indent="-342900">
+              <a:buFontTx/>
+              <a:buChar char="-"/>
+            </a:pPr>
+            <a:r>
+              <a:rPr lang="en-US" dirty="0"/>
+              <a:t>Supervisor’s managed Employee(s)</a:t>
+            </a:r>
+          </a:p>
+          <a:p>
+            <a:pPr marL="800100" lvl="1" indent="-342900">
+              <a:buFontTx/>
+              <a:buChar char="-"/>
+            </a:pPr>
+            <a:r>
+              <a:rPr lang="en-US" dirty="0"/>
+              <a:t>Supervisor’s Goals</a:t>
+            </a:r>
+          </a:p>
+          <a:p>
+            <a:pPr marL="800100" lvl="1" indent="-342900">
+              <a:buFontTx/>
+              <a:buChar char="-"/>
+            </a:pPr>
+            <a:r>
+              <a:rPr lang="en-US"/>
+              <a:t>Supervisor’s </a:t>
+            </a:r>
+            <a:endParaRPr lang="en-US" dirty="0"/>
+          </a:p>
+        </p:txBody>
+      </p:sp>
+      <p:sp>
+        <p:nvSpPr>
+          <p:cNvPr id="5" name="Text Placeholder 2"/>
+          <p:cNvSpPr txBox="1">
+            <a:spLocks/>
+          </p:cNvSpPr>
+          <p:nvPr/>
+        </p:nvSpPr>
         <p:spPr>
           <a:xfrm>
-            <a:off x="2255446" y="1053148"/>
-            <a:ext cx="6400361" cy="5713412"/>
+            <a:off x="557530" y="456089"/>
+            <a:ext cx="10515600" cy="458311"/>
           </a:xfrm>
           <a:prstGeom prst="rect">
             <a:avLst/>
           </a:prstGeom>
         </p:spPr>
-      </p:pic>
+        <p:txBody>
+          <a:bodyPr vert="horz" lIns="91440" tIns="45720" rIns="91440" bIns="45720" rtlCol="0">
+            <a:normAutofit/>
+          </a:bodyPr>
+          <a:lstStyle>
+            <a:lvl1pPr marL="0" indent="0" algn="l" defTabSz="228508" rtl="0" eaLnBrk="1" latinLnBrk="0" hangingPunct="1">
+              <a:spcBef>
+                <a:spcPct val="20000"/>
+              </a:spcBef>
+              <a:buFont typeface="Arial"/>
+              <a:buNone/>
+              <a:defRPr sz="2400" kern="1200">
+                <a:solidFill>
+                  <a:schemeClr val="tx1">
+                    <a:tint val="75000"/>
+                  </a:schemeClr>
+                </a:solidFill>
+                <a:latin typeface="Roboto Medium"/>
+                <a:ea typeface="+mn-ea"/>
+                <a:cs typeface="+mn-cs"/>
+              </a:defRPr>
+            </a:lvl1pPr>
+            <a:lvl2pPr marL="457200" indent="0" algn="l" defTabSz="228508" rtl="0" eaLnBrk="1" latinLnBrk="0" hangingPunct="1">
+              <a:spcBef>
+                <a:spcPct val="20000"/>
+              </a:spcBef>
+              <a:buSzPct val="60000"/>
+              <a:buFont typeface="Lucida Grande"/>
+              <a:buNone/>
+              <a:defRPr sz="2000" kern="1200">
+                <a:solidFill>
+                  <a:schemeClr val="tx1">
+                    <a:tint val="75000"/>
+                  </a:schemeClr>
+                </a:solidFill>
+                <a:latin typeface="Roboto Medium"/>
+                <a:ea typeface="+mn-ea"/>
+                <a:cs typeface="+mn-cs"/>
+              </a:defRPr>
+            </a:lvl2pPr>
+            <a:lvl3pPr marL="914400" indent="0" algn="l" defTabSz="228508" rtl="0" eaLnBrk="1" latinLnBrk="0" hangingPunct="1">
+              <a:spcBef>
+                <a:spcPct val="20000"/>
+              </a:spcBef>
+              <a:buSzPct val="60000"/>
+              <a:buFont typeface="Lucida Grande"/>
+              <a:buNone/>
+              <a:defRPr sz="1800" kern="1200">
+                <a:solidFill>
+                  <a:schemeClr val="tx1">
+                    <a:tint val="75000"/>
+                  </a:schemeClr>
+                </a:solidFill>
+                <a:latin typeface="Roboto Medium"/>
+                <a:ea typeface="+mn-ea"/>
+                <a:cs typeface="+mn-cs"/>
+              </a:defRPr>
+            </a:lvl3pPr>
+            <a:lvl4pPr marL="1371600" indent="0" algn="l" defTabSz="228508" rtl="0" eaLnBrk="1" latinLnBrk="0" hangingPunct="1">
+              <a:spcBef>
+                <a:spcPct val="20000"/>
+              </a:spcBef>
+              <a:buSzPct val="60000"/>
+              <a:buFont typeface="Lucida Grande"/>
+              <a:buNone/>
+              <a:defRPr sz="1600" kern="1200">
+                <a:solidFill>
+                  <a:schemeClr val="tx1">
+                    <a:tint val="75000"/>
+                  </a:schemeClr>
+                </a:solidFill>
+                <a:latin typeface="Roboto Medium"/>
+                <a:ea typeface="+mn-ea"/>
+                <a:cs typeface="+mn-cs"/>
+              </a:defRPr>
+            </a:lvl4pPr>
+            <a:lvl5pPr marL="1828800" indent="0" algn="l" defTabSz="228508" rtl="0" eaLnBrk="1" latinLnBrk="0" hangingPunct="1">
+              <a:spcBef>
+                <a:spcPct val="20000"/>
+              </a:spcBef>
+              <a:buSzPct val="60000"/>
+              <a:buFont typeface="Lucida Grande"/>
+              <a:buNone/>
+              <a:defRPr sz="1600" kern="1200">
+                <a:solidFill>
+                  <a:schemeClr val="tx1">
+                    <a:tint val="75000"/>
+                  </a:schemeClr>
+                </a:solidFill>
+                <a:latin typeface="Roboto Medium"/>
+                <a:ea typeface="+mn-ea"/>
+                <a:cs typeface="+mn-cs"/>
+              </a:defRPr>
+            </a:lvl5pPr>
+            <a:lvl6pPr marL="2286000" indent="0" algn="l" defTabSz="228508" rtl="0" eaLnBrk="1" latinLnBrk="0" hangingPunct="1">
+              <a:spcBef>
+                <a:spcPct val="20000"/>
+              </a:spcBef>
+              <a:buFont typeface="Arial"/>
+              <a:buNone/>
+              <a:defRPr sz="1600" kern="1200">
+                <a:solidFill>
+                  <a:schemeClr val="tx1">
+                    <a:tint val="75000"/>
+                  </a:schemeClr>
+                </a:solidFill>
+                <a:latin typeface="+mn-lt"/>
+                <a:ea typeface="+mn-ea"/>
+                <a:cs typeface="+mn-cs"/>
+              </a:defRPr>
+            </a:lvl6pPr>
+            <a:lvl7pPr marL="2743200" indent="0" algn="l" defTabSz="228508" rtl="0" eaLnBrk="1" latinLnBrk="0" hangingPunct="1">
+              <a:spcBef>
+                <a:spcPct val="20000"/>
+              </a:spcBef>
+              <a:buFont typeface="Arial"/>
+              <a:buNone/>
+              <a:defRPr sz="1600" kern="1200">
+                <a:solidFill>
+                  <a:schemeClr val="tx1">
+                    <a:tint val="75000"/>
+                  </a:schemeClr>
+                </a:solidFill>
+                <a:latin typeface="+mn-lt"/>
+                <a:ea typeface="+mn-ea"/>
+                <a:cs typeface="+mn-cs"/>
+              </a:defRPr>
+            </a:lvl7pPr>
+            <a:lvl8pPr marL="3200400" indent="0" algn="l" defTabSz="228508" rtl="0" eaLnBrk="1" latinLnBrk="0" hangingPunct="1">
+              <a:spcBef>
+                <a:spcPct val="20000"/>
+              </a:spcBef>
+              <a:buFont typeface="Arial"/>
+              <a:buNone/>
+              <a:defRPr sz="1600" kern="1200">
+                <a:solidFill>
+                  <a:schemeClr val="tx1">
+                    <a:tint val="75000"/>
+                  </a:schemeClr>
+                </a:solidFill>
+                <a:latin typeface="+mn-lt"/>
+                <a:ea typeface="+mn-ea"/>
+                <a:cs typeface="+mn-cs"/>
+              </a:defRPr>
+            </a:lvl8pPr>
+            <a:lvl9pPr marL="3657600" indent="0" algn="l" defTabSz="228508" rtl="0" eaLnBrk="1" latinLnBrk="0" hangingPunct="1">
+              <a:spcBef>
+                <a:spcPct val="20000"/>
+              </a:spcBef>
+              <a:buFont typeface="Arial"/>
+              <a:buNone/>
+              <a:defRPr sz="1600" kern="1200">
+                <a:solidFill>
+                  <a:schemeClr val="tx1">
+                    <a:tint val="75000"/>
+                  </a:schemeClr>
+                </a:solidFill>
+                <a:latin typeface="+mn-lt"/>
+                <a:ea typeface="+mn-ea"/>
+                <a:cs typeface="+mn-cs"/>
+              </a:defRPr>
+            </a:lvl9pPr>
+          </a:lstStyle>
+          <a:p>
+            <a:r>
+              <a:rPr lang="en-US" dirty="0" err="1"/>
+              <a:t>SupervisorHome</a:t>
+            </a:r>
+            <a:endParaRPr lang="en-US" dirty="0"/>
+          </a:p>
+        </p:txBody>
+      </p:sp>
     </p:spTree>
     <p:extLst>
       <p:ext uri="{BB962C8B-B14F-4D97-AF65-F5344CB8AC3E}">
-        <p14:creationId xmlns:p14="http://schemas.microsoft.com/office/powerpoint/2010/main" val="1406626138"/>
-      </p:ext>
-    </p:extLst>
-  </p:cSld>
-  <p:clrMapOvr>
-    <a:masterClrMapping/>
-  </p:clrMapOvr>
-</p:sld>
-</file>
-
-<file path=ppt/slides/slide9.xml><?xml version="1.0" encoding="utf-8"?>
-<p:sld xmlns:a="http://schemas.openxmlformats.org/drawingml/2006/main" xmlns:r="http://schemas.openxmlformats.org/officeDocument/2006/relationships" xmlns:p="http://schemas.openxmlformats.org/presentationml/2006/main">
-  <p:cSld>
-    <p:spTree>
-      <p:nvGrpSpPr>
-        <p:cNvPr id="1" name=""/>
-        <p:cNvGrpSpPr/>
-        <p:nvPr/>
-      </p:nvGrpSpPr>
-      <p:grpSpPr>
-        <a:xfrm>
-          <a:off x="0" y="0"/>
-          <a:ext cx="0" cy="0"/>
-          <a:chOff x="0" y="0"/>
-          <a:chExt cx="0" cy="0"/>
-        </a:xfrm>
-      </p:grpSpPr>
-      <p:pic>
-        <p:nvPicPr>
-          <p:cNvPr id="2" name="Content Placeholder 1"/>
-          <p:cNvPicPr>
-            <a:picLocks noGrp="1" noChangeAspect="1"/>
-          </p:cNvPicPr>
-          <p:nvPr>
-            <p:ph idx="1"/>
-          </p:nvPr>
-        </p:nvPicPr>
-        <p:blipFill>
-          <a:blip r:embed="rId2"/>
-          <a:stretch>
-            <a:fillRect/>
-          </a:stretch>
-        </p:blipFill>
-        <p:spPr>
-          <a:xfrm>
-            <a:off x="2428240" y="1042988"/>
-            <a:ext cx="6223197" cy="5616834"/>
-          </a:xfrm>
-          <a:prstGeom prst="rect">
-            <a:avLst/>
-          </a:prstGeom>
-        </p:spPr>
-      </p:pic>
-      <p:sp>
-        <p:nvSpPr>
-          <p:cNvPr id="4" name="Title 1"/>
-          <p:cNvSpPr>
-            <a:spLocks noGrp="1"/>
-          </p:cNvSpPr>
-          <p:nvPr>
-            <p:ph type="title"/>
-          </p:nvPr>
-        </p:nvSpPr>
-        <p:spPr/>
-        <p:txBody>
-          <a:bodyPr>
-            <a:normAutofit/>
-          </a:bodyPr>
-          <a:lstStyle/>
-          <a:p>
-            <a:r>
-              <a:rPr lang="en-US" sz="2000" cap="none" dirty="0"/>
-              <a:t>CreateDepartment (Failure)</a:t>
-            </a:r>
-          </a:p>
-        </p:txBody>
-      </p:sp>
-    </p:spTree>
-    <p:extLst>
-      <p:ext uri="{BB962C8B-B14F-4D97-AF65-F5344CB8AC3E}">
-        <p14:creationId xmlns:p14="http://schemas.microsoft.com/office/powerpoint/2010/main" val="3580051433"/>
+        <p14:creationId xmlns:p14="http://schemas.microsoft.com/office/powerpoint/2010/main" val="228029945"/>
       </p:ext>
     </p:extLst>
   </p:cSld>
